--- a/06.08.2020 pca_logreg ödevi/06082020_odev_sunum.pptx
+++ b/06.08.2020 pca_logreg ödevi/06082020_odev_sunum.pptx
@@ -8,10 +8,11 @@
     <p:sldId id="256" r:id="rId2"/>
     <p:sldId id="257" r:id="rId3"/>
     <p:sldId id="258" r:id="rId4"/>
-    <p:sldId id="259" r:id="rId5"/>
-    <p:sldId id="260" r:id="rId6"/>
+    <p:sldId id="260" r:id="rId5"/>
+    <p:sldId id="259" r:id="rId6"/>
     <p:sldId id="261" r:id="rId7"/>
     <p:sldId id="264" r:id="rId8"/>
+    <p:sldId id="265" r:id="rId9"/>
   </p:sldIdLst>
   <p:sldSz cx="12192000" cy="6858000"/>
   <p:notesSz cx="6858000" cy="9144000"/>
@@ -4309,12 +4310,47 @@
           <a:chExt cx="0" cy="0"/>
         </a:xfrm>
       </p:grpSpPr>
+      <p:sp>
+        <p:nvSpPr>
+          <p:cNvPr id="3" name="TextBox 2">
+            <a:extLst>
+              <a:ext uri="{FF2B5EF4-FFF2-40B4-BE49-F238E27FC236}">
+                <a16:creationId xmlns:a16="http://schemas.microsoft.com/office/drawing/2014/main" id="{285079A1-4344-4B6B-9073-758313989E0E}"/>
+              </a:ext>
+            </a:extLst>
+          </p:cNvPr>
+          <p:cNvSpPr txBox="1"/>
+          <p:nvPr/>
+        </p:nvSpPr>
+        <p:spPr>
+          <a:xfrm>
+            <a:off x="4221012" y="211707"/>
+            <a:ext cx="3749975" cy="646331"/>
+          </a:xfrm>
+          <a:prstGeom prst="rect">
+            <a:avLst/>
+          </a:prstGeom>
+          <a:noFill/>
+        </p:spPr>
+        <p:txBody>
+          <a:bodyPr wrap="square" rtlCol="0">
+            <a:spAutoFit/>
+          </a:bodyPr>
+          <a:lstStyle/>
+          <a:p>
+            <a:r>
+              <a:rPr lang="tr-TR" sz="3600" dirty="0"/>
+              <a:t>Lojistik Regresyon</a:t>
+            </a:r>
+          </a:p>
+        </p:txBody>
+      </p:sp>
       <p:pic>
         <p:nvPicPr>
-          <p:cNvPr id="3" name="Picture 2">
-            <a:extLst>
-              <a:ext uri="{FF2B5EF4-FFF2-40B4-BE49-F238E27FC236}">
-                <a16:creationId xmlns:a16="http://schemas.microsoft.com/office/drawing/2014/main" id="{94EE77C4-3BF7-444F-9B2C-F3C7B3BEBDDE}"/>
+          <p:cNvPr id="4" name="Picture 3">
+            <a:extLst>
+              <a:ext uri="{FF2B5EF4-FFF2-40B4-BE49-F238E27FC236}">
+                <a16:creationId xmlns:a16="http://schemas.microsoft.com/office/drawing/2014/main" id="{23C581B1-DE71-4960-A69F-185CD6CCB2B0}"/>
               </a:ext>
             </a:extLst>
           </p:cNvPr>
@@ -4331,50 +4367,20 @@
         </p:blipFill>
         <p:spPr>
           <a:xfrm>
-            <a:off x="217010" y="3737472"/>
-            <a:ext cx="6780297" cy="2918202"/>
+            <a:off x="3649738" y="940697"/>
+            <a:ext cx="4645963" cy="2798258"/>
           </a:xfrm>
           <a:prstGeom prst="rect">
             <a:avLst/>
           </a:prstGeom>
         </p:spPr>
       </p:pic>
-      <p:pic>
-        <p:nvPicPr>
-          <p:cNvPr id="4" name="Picture 3">
-            <a:extLst>
-              <a:ext uri="{FF2B5EF4-FFF2-40B4-BE49-F238E27FC236}">
-                <a16:creationId xmlns:a16="http://schemas.microsoft.com/office/drawing/2014/main" id="{DB1D458F-91F4-4970-889C-FE54CEF07DF7}"/>
-              </a:ext>
-            </a:extLst>
-          </p:cNvPr>
-          <p:cNvPicPr>
-            <a:picLocks noChangeAspect="1"/>
-          </p:cNvPicPr>
-          <p:nvPr/>
-        </p:nvPicPr>
-        <p:blipFill>
-          <a:blip r:embed="rId3"/>
-          <a:stretch>
-            <a:fillRect/>
-          </a:stretch>
-        </p:blipFill>
-        <p:spPr>
-          <a:xfrm>
-            <a:off x="217010" y="366311"/>
-            <a:ext cx="6105525" cy="1828800"/>
-          </a:xfrm>
-          <a:prstGeom prst="rect">
-            <a:avLst/>
-          </a:prstGeom>
-        </p:spPr>
-      </p:pic>
       <p:sp>
         <p:nvSpPr>
           <p:cNvPr id="6" name="TextBox 5">
             <a:extLst>
               <a:ext uri="{FF2B5EF4-FFF2-40B4-BE49-F238E27FC236}">
-                <a16:creationId xmlns:a16="http://schemas.microsoft.com/office/drawing/2014/main" id="{32B653F8-21B5-4FF1-9FE8-87C6E0CAD84F}"/>
+                <a16:creationId xmlns:a16="http://schemas.microsoft.com/office/drawing/2014/main" id="{EA281739-545B-4F04-BD44-157077572581}"/>
               </a:ext>
             </a:extLst>
           </p:cNvPr>
@@ -4383,8 +4389,8 @@
         </p:nvSpPr>
         <p:spPr>
           <a:xfrm>
-            <a:off x="7087002" y="819046"/>
-            <a:ext cx="4214815" cy="923330"/>
+            <a:off x="3988591" y="4877865"/>
+            <a:ext cx="4214815" cy="1200329"/>
           </a:xfrm>
           <a:prstGeom prst="rect">
             <a:avLst/>
@@ -4399,57 +4405,31 @@
           <a:p>
             <a:r>
               <a:rPr lang="tr-TR" dirty="0" err="1"/>
-              <a:t>Reason</a:t>
+              <a:t>BadRisk</a:t>
             </a:r>
             <a:r>
               <a:rPr lang="tr-TR" dirty="0"/>
-              <a:t> ve </a:t>
-            </a:r>
-            <a:r>
-              <a:rPr lang="tr-TR" dirty="0" err="1"/>
-              <a:t>Job</a:t>
-            </a:r>
-            <a:r>
-              <a:rPr lang="tr-TR" dirty="0"/>
-              <a:t> kolonları kategorik olduğu için bu değişkenlerin </a:t>
-            </a:r>
-            <a:r>
-              <a:rPr lang="tr-TR" dirty="0" err="1"/>
-              <a:t>dummy</a:t>
-            </a:r>
-            <a:r>
-              <a:rPr lang="tr-TR" dirty="0"/>
-              <a:t> ‘</a:t>
-            </a:r>
-            <a:r>
-              <a:rPr lang="tr-TR" dirty="0" err="1"/>
-              <a:t>leri</a:t>
-            </a:r>
-            <a:r>
-              <a:rPr lang="tr-TR" dirty="0"/>
-              <a:t> oluşturuldu.</a:t>
+              <a:t> (1) gözlem sayısı az olduğu için modelde 1 tahminlerinin doğruluk oranlarının az olacağını önsezi olarak söyleyebiliriz.</a:t>
             </a:r>
           </a:p>
         </p:txBody>
       </p:sp>
       <p:cxnSp>
         <p:nvCxnSpPr>
-          <p:cNvPr id="8" name="Straight Arrow Connector 7">
-            <a:extLst>
-              <a:ext uri="{FF2B5EF4-FFF2-40B4-BE49-F238E27FC236}">
-                <a16:creationId xmlns:a16="http://schemas.microsoft.com/office/drawing/2014/main" id="{E5D67A6D-AFB9-47E8-871B-B6442C08D50A}"/>
-              </a:ext>
-            </a:extLst>
-          </p:cNvPr>
-          <p:cNvCxnSpPr>
-            <a:endCxn id="4" idx="3"/>
-          </p:cNvCxnSpPr>
+          <p:cNvPr id="7" name="Straight Arrow Connector 6">
+            <a:extLst>
+              <a:ext uri="{FF2B5EF4-FFF2-40B4-BE49-F238E27FC236}">
+                <a16:creationId xmlns:a16="http://schemas.microsoft.com/office/drawing/2014/main" id="{914DB397-67F9-4B65-8398-285472A6A24E}"/>
+              </a:ext>
+            </a:extLst>
+          </p:cNvPr>
+          <p:cNvCxnSpPr/>
           <p:nvPr/>
         </p:nvCxnSpPr>
         <p:spPr>
-          <a:xfrm flipH="1">
-            <a:off x="6322535" y="1280711"/>
-            <a:ext cx="674772" cy="0"/>
+          <a:xfrm>
+            <a:off x="5972719" y="4063986"/>
+            <a:ext cx="0" cy="385525"/>
           </a:xfrm>
           <a:prstGeom prst="straightConnector1">
             <a:avLst/>
@@ -4473,61 +4453,10 @@
           </a:fontRef>
         </p:style>
       </p:cxnSp>
-      <p:sp>
-        <p:nvSpPr>
-          <p:cNvPr id="10" name="TextBox 9">
-            <a:extLst>
-              <a:ext uri="{FF2B5EF4-FFF2-40B4-BE49-F238E27FC236}">
-                <a16:creationId xmlns:a16="http://schemas.microsoft.com/office/drawing/2014/main" id="{1C31B23D-E4BF-4F52-BA46-A3BC01283EAA}"/>
-              </a:ext>
-            </a:extLst>
-          </p:cNvPr>
-          <p:cNvSpPr txBox="1"/>
-          <p:nvPr/>
-        </p:nvSpPr>
-        <p:spPr>
-          <a:xfrm>
-            <a:off x="7316520" y="4111253"/>
-            <a:ext cx="4214815" cy="646331"/>
-          </a:xfrm>
-          <a:prstGeom prst="rect">
-            <a:avLst/>
-          </a:prstGeom>
-          <a:noFill/>
-        </p:spPr>
-        <p:txBody>
-          <a:bodyPr wrap="square" rtlCol="0">
-            <a:spAutoFit/>
-          </a:bodyPr>
-          <a:lstStyle/>
-          <a:p>
-            <a:r>
-              <a:rPr lang="tr-TR" dirty="0"/>
-              <a:t>Kategorik değişkenler </a:t>
-            </a:r>
-            <a:r>
-              <a:rPr lang="tr-TR" dirty="0" err="1"/>
-              <a:t>dummy</a:t>
-            </a:r>
-            <a:r>
-              <a:rPr lang="tr-TR" dirty="0"/>
-              <a:t> olarak tekrar </a:t>
-            </a:r>
-            <a:r>
-              <a:rPr lang="tr-TR" dirty="0" err="1"/>
-              <a:t>dataframe’e</a:t>
-            </a:r>
-            <a:r>
-              <a:rPr lang="tr-TR" dirty="0"/>
-              <a:t> eklendi.</a:t>
-            </a:r>
-          </a:p>
-        </p:txBody>
-      </p:sp>
     </p:spTree>
     <p:extLst>
       <p:ext uri="{BB962C8B-B14F-4D97-AF65-F5344CB8AC3E}">
-        <p14:creationId xmlns:p14="http://schemas.microsoft.com/office/powerpoint/2010/main" val="172162491"/>
+        <p14:creationId xmlns:p14="http://schemas.microsoft.com/office/powerpoint/2010/main" val="2209094924"/>
       </p:ext>
     </p:extLst>
   </p:cSld>
@@ -4554,47 +4483,12 @@
           <a:chExt cx="0" cy="0"/>
         </a:xfrm>
       </p:grpSpPr>
-      <p:sp>
-        <p:nvSpPr>
-          <p:cNvPr id="3" name="TextBox 2">
-            <a:extLst>
-              <a:ext uri="{FF2B5EF4-FFF2-40B4-BE49-F238E27FC236}">
-                <a16:creationId xmlns:a16="http://schemas.microsoft.com/office/drawing/2014/main" id="{285079A1-4344-4B6B-9073-758313989E0E}"/>
-              </a:ext>
-            </a:extLst>
-          </p:cNvPr>
-          <p:cNvSpPr txBox="1"/>
-          <p:nvPr/>
-        </p:nvSpPr>
-        <p:spPr>
-          <a:xfrm>
-            <a:off x="4221012" y="211707"/>
-            <a:ext cx="3749975" cy="646331"/>
-          </a:xfrm>
-          <a:prstGeom prst="rect">
-            <a:avLst/>
-          </a:prstGeom>
-          <a:noFill/>
-        </p:spPr>
-        <p:txBody>
-          <a:bodyPr wrap="square" rtlCol="0">
-            <a:spAutoFit/>
-          </a:bodyPr>
-          <a:lstStyle/>
-          <a:p>
-            <a:r>
-              <a:rPr lang="tr-TR" sz="3600" dirty="0"/>
-              <a:t>Lojistik Regresyon</a:t>
-            </a:r>
-          </a:p>
-        </p:txBody>
-      </p:sp>
       <p:pic>
         <p:nvPicPr>
-          <p:cNvPr id="4" name="Picture 3">
-            <a:extLst>
-              <a:ext uri="{FF2B5EF4-FFF2-40B4-BE49-F238E27FC236}">
-                <a16:creationId xmlns:a16="http://schemas.microsoft.com/office/drawing/2014/main" id="{23C581B1-DE71-4960-A69F-185CD6CCB2B0}"/>
+          <p:cNvPr id="3" name="Picture 2">
+            <a:extLst>
+              <a:ext uri="{FF2B5EF4-FFF2-40B4-BE49-F238E27FC236}">
+                <a16:creationId xmlns:a16="http://schemas.microsoft.com/office/drawing/2014/main" id="{94EE77C4-3BF7-444F-9B2C-F3C7B3BEBDDE}"/>
               </a:ext>
             </a:extLst>
           </p:cNvPr>
@@ -4611,20 +4505,50 @@
         </p:blipFill>
         <p:spPr>
           <a:xfrm>
-            <a:off x="3649738" y="940697"/>
-            <a:ext cx="4645963" cy="2798258"/>
+            <a:off x="217010" y="3737472"/>
+            <a:ext cx="6780297" cy="2918202"/>
           </a:xfrm>
           <a:prstGeom prst="rect">
             <a:avLst/>
           </a:prstGeom>
         </p:spPr>
       </p:pic>
+      <p:pic>
+        <p:nvPicPr>
+          <p:cNvPr id="4" name="Picture 3">
+            <a:extLst>
+              <a:ext uri="{FF2B5EF4-FFF2-40B4-BE49-F238E27FC236}">
+                <a16:creationId xmlns:a16="http://schemas.microsoft.com/office/drawing/2014/main" id="{DB1D458F-91F4-4970-889C-FE54CEF07DF7}"/>
+              </a:ext>
+            </a:extLst>
+          </p:cNvPr>
+          <p:cNvPicPr>
+            <a:picLocks noChangeAspect="1"/>
+          </p:cNvPicPr>
+          <p:nvPr/>
+        </p:nvPicPr>
+        <p:blipFill>
+          <a:blip r:embed="rId3"/>
+          <a:stretch>
+            <a:fillRect/>
+          </a:stretch>
+        </p:blipFill>
+        <p:spPr>
+          <a:xfrm>
+            <a:off x="217010" y="366311"/>
+            <a:ext cx="6105525" cy="1828800"/>
+          </a:xfrm>
+          <a:prstGeom prst="rect">
+            <a:avLst/>
+          </a:prstGeom>
+        </p:spPr>
+      </p:pic>
       <p:sp>
         <p:nvSpPr>
           <p:cNvPr id="6" name="TextBox 5">
             <a:extLst>
               <a:ext uri="{FF2B5EF4-FFF2-40B4-BE49-F238E27FC236}">
-                <a16:creationId xmlns:a16="http://schemas.microsoft.com/office/drawing/2014/main" id="{EA281739-545B-4F04-BD44-157077572581}"/>
+                <a16:creationId xmlns:a16="http://schemas.microsoft.com/office/drawing/2014/main" id="{32B653F8-21B5-4FF1-9FE8-87C6E0CAD84F}"/>
               </a:ext>
             </a:extLst>
           </p:cNvPr>
@@ -4633,8 +4557,8 @@
         </p:nvSpPr>
         <p:spPr>
           <a:xfrm>
-            <a:off x="3988591" y="4877865"/>
-            <a:ext cx="4214815" cy="1200329"/>
+            <a:off x="7087002" y="819046"/>
+            <a:ext cx="4214815" cy="923330"/>
           </a:xfrm>
           <a:prstGeom prst="rect">
             <a:avLst/>
@@ -4649,31 +4573,57 @@
           <a:p>
             <a:r>
               <a:rPr lang="tr-TR" dirty="0" err="1"/>
-              <a:t>BadRisk</a:t>
+              <a:t>Reason</a:t>
             </a:r>
             <a:r>
               <a:rPr lang="tr-TR" dirty="0"/>
-              <a:t> (1) gözlem sayısı az olduğu için modelde 1 tahminlerinin doğruluk oranlarının az olacağını önsezi olarak söyleyebiliriz.</a:t>
+              <a:t> ve </a:t>
+            </a:r>
+            <a:r>
+              <a:rPr lang="tr-TR" dirty="0" err="1"/>
+              <a:t>Job</a:t>
+            </a:r>
+            <a:r>
+              <a:rPr lang="tr-TR" dirty="0"/>
+              <a:t> kolonları kategorik olduğu için bu değişkenlerin </a:t>
+            </a:r>
+            <a:r>
+              <a:rPr lang="tr-TR" dirty="0" err="1"/>
+              <a:t>dummy</a:t>
+            </a:r>
+            <a:r>
+              <a:rPr lang="tr-TR" dirty="0"/>
+              <a:t> ‘</a:t>
+            </a:r>
+            <a:r>
+              <a:rPr lang="tr-TR" dirty="0" err="1"/>
+              <a:t>leri</a:t>
+            </a:r>
+            <a:r>
+              <a:rPr lang="tr-TR" dirty="0"/>
+              <a:t> oluşturuldu.</a:t>
             </a:r>
           </a:p>
         </p:txBody>
       </p:sp>
       <p:cxnSp>
         <p:nvCxnSpPr>
-          <p:cNvPr id="7" name="Straight Arrow Connector 6">
-            <a:extLst>
-              <a:ext uri="{FF2B5EF4-FFF2-40B4-BE49-F238E27FC236}">
-                <a16:creationId xmlns:a16="http://schemas.microsoft.com/office/drawing/2014/main" id="{914DB397-67F9-4B65-8398-285472A6A24E}"/>
-              </a:ext>
-            </a:extLst>
-          </p:cNvPr>
-          <p:cNvCxnSpPr/>
+          <p:cNvPr id="8" name="Straight Arrow Connector 7">
+            <a:extLst>
+              <a:ext uri="{FF2B5EF4-FFF2-40B4-BE49-F238E27FC236}">
+                <a16:creationId xmlns:a16="http://schemas.microsoft.com/office/drawing/2014/main" id="{E5D67A6D-AFB9-47E8-871B-B6442C08D50A}"/>
+              </a:ext>
+            </a:extLst>
+          </p:cNvPr>
+          <p:cNvCxnSpPr>
+            <a:endCxn id="4" idx="3"/>
+          </p:cNvCxnSpPr>
           <p:nvPr/>
         </p:nvCxnSpPr>
         <p:spPr>
-          <a:xfrm>
-            <a:off x="5972719" y="4063986"/>
-            <a:ext cx="0" cy="385525"/>
+          <a:xfrm flipH="1">
+            <a:off x="6322535" y="1280711"/>
+            <a:ext cx="674772" cy="0"/>
           </a:xfrm>
           <a:prstGeom prst="straightConnector1">
             <a:avLst/>
@@ -4697,10 +4647,61 @@
           </a:fontRef>
         </p:style>
       </p:cxnSp>
+      <p:sp>
+        <p:nvSpPr>
+          <p:cNvPr id="10" name="TextBox 9">
+            <a:extLst>
+              <a:ext uri="{FF2B5EF4-FFF2-40B4-BE49-F238E27FC236}">
+                <a16:creationId xmlns:a16="http://schemas.microsoft.com/office/drawing/2014/main" id="{1C31B23D-E4BF-4F52-BA46-A3BC01283EAA}"/>
+              </a:ext>
+            </a:extLst>
+          </p:cNvPr>
+          <p:cNvSpPr txBox="1"/>
+          <p:nvPr/>
+        </p:nvSpPr>
+        <p:spPr>
+          <a:xfrm>
+            <a:off x="7316520" y="4111253"/>
+            <a:ext cx="4214815" cy="646331"/>
+          </a:xfrm>
+          <a:prstGeom prst="rect">
+            <a:avLst/>
+          </a:prstGeom>
+          <a:noFill/>
+        </p:spPr>
+        <p:txBody>
+          <a:bodyPr wrap="square" rtlCol="0">
+            <a:spAutoFit/>
+          </a:bodyPr>
+          <a:lstStyle/>
+          <a:p>
+            <a:r>
+              <a:rPr lang="tr-TR" dirty="0"/>
+              <a:t>Kategorik değişkenler </a:t>
+            </a:r>
+            <a:r>
+              <a:rPr lang="tr-TR" dirty="0" err="1"/>
+              <a:t>dummy</a:t>
+            </a:r>
+            <a:r>
+              <a:rPr lang="tr-TR" dirty="0"/>
+              <a:t> olarak tekrar </a:t>
+            </a:r>
+            <a:r>
+              <a:rPr lang="tr-TR" dirty="0" err="1"/>
+              <a:t>dataframe’e</a:t>
+            </a:r>
+            <a:r>
+              <a:rPr lang="tr-TR" dirty="0"/>
+              <a:t> eklendi.</a:t>
+            </a:r>
+          </a:p>
+        </p:txBody>
+      </p:sp>
     </p:spTree>
     <p:extLst>
       <p:ext uri="{BB962C8B-B14F-4D97-AF65-F5344CB8AC3E}">
-        <p14:creationId xmlns:p14="http://schemas.microsoft.com/office/powerpoint/2010/main" val="2209094924"/>
+        <p14:creationId xmlns:p14="http://schemas.microsoft.com/office/powerpoint/2010/main" val="172162491"/>
       </p:ext>
     </p:extLst>
   </p:cSld>
@@ -5367,7 +5368,7 @@
         <p:spPr>
           <a:xfrm>
             <a:off x="5238592" y="321965"/>
-            <a:ext cx="2064329" cy="461665"/>
+            <a:ext cx="2440165" cy="461665"/>
           </a:xfrm>
           <a:prstGeom prst="rect">
             <a:avLst/>
@@ -5388,7 +5389,7 @@
                   </a:schemeClr>
                 </a:solidFill>
               </a:rPr>
-              <a:t>TUNING</a:t>
+              <a:t>TUNING(TRAIN)</a:t>
             </a:r>
           </a:p>
         </p:txBody>
@@ -5815,6 +5816,360 @@
     <p:extLst>
       <p:ext uri="{BB962C8B-B14F-4D97-AF65-F5344CB8AC3E}">
         <p14:creationId xmlns:p14="http://schemas.microsoft.com/office/powerpoint/2010/main" val="151619933"/>
+      </p:ext>
+    </p:extLst>
+  </p:cSld>
+  <p:clrMapOvr>
+    <a:masterClrMapping/>
+  </p:clrMapOvr>
+</p:sld>
+</file>
+
+<file path=ppt/slides/slide8.xml><?xml version="1.0" encoding="utf-8"?>
+<p:sld xmlns:a="http://schemas.openxmlformats.org/drawingml/2006/main" xmlns:r="http://schemas.openxmlformats.org/officeDocument/2006/relationships" xmlns:p="http://schemas.openxmlformats.org/presentationml/2006/main">
+  <p:cSld>
+    <p:spTree>
+      <p:nvGrpSpPr>
+        <p:cNvPr id="1" name=""/>
+        <p:cNvGrpSpPr/>
+        <p:nvPr/>
+      </p:nvGrpSpPr>
+      <p:grpSpPr>
+        <a:xfrm>
+          <a:off x="0" y="0"/>
+          <a:ext cx="0" cy="0"/>
+          <a:chOff x="0" y="0"/>
+          <a:chExt cx="0" cy="0"/>
+        </a:xfrm>
+      </p:grpSpPr>
+      <p:sp>
+        <p:nvSpPr>
+          <p:cNvPr id="3" name="TextBox 2">
+            <a:extLst>
+              <a:ext uri="{FF2B5EF4-FFF2-40B4-BE49-F238E27FC236}">
+                <a16:creationId xmlns:a16="http://schemas.microsoft.com/office/drawing/2014/main" id="{D2DDAA0A-3982-4EF5-8290-AE4A99149D9D}"/>
+              </a:ext>
+            </a:extLst>
+          </p:cNvPr>
+          <p:cNvSpPr txBox="1"/>
+          <p:nvPr/>
+        </p:nvSpPr>
+        <p:spPr>
+          <a:xfrm>
+            <a:off x="5238592" y="321965"/>
+            <a:ext cx="2440165" cy="461665"/>
+          </a:xfrm>
+          <a:prstGeom prst="rect">
+            <a:avLst/>
+          </a:prstGeom>
+          <a:noFill/>
+        </p:spPr>
+        <p:txBody>
+          <a:bodyPr wrap="square" rtlCol="0">
+            <a:spAutoFit/>
+          </a:bodyPr>
+          <a:lstStyle/>
+          <a:p>
+            <a:r>
+              <a:rPr lang="tr-TR" sz="2400" dirty="0">
+                <a:solidFill>
+                  <a:schemeClr val="bg1">
+                    <a:lumMod val="50000"/>
+                  </a:schemeClr>
+                </a:solidFill>
+              </a:rPr>
+              <a:t>TUNING(TEST)</a:t>
+            </a:r>
+          </a:p>
+        </p:txBody>
+      </p:sp>
+      <p:sp>
+        <p:nvSpPr>
+          <p:cNvPr id="28" name="TextBox 27">
+            <a:extLst>
+              <a:ext uri="{FF2B5EF4-FFF2-40B4-BE49-F238E27FC236}">
+                <a16:creationId xmlns:a16="http://schemas.microsoft.com/office/drawing/2014/main" id="{FB38F489-7CDD-4BB9-8B9E-B422F42691D1}"/>
+              </a:ext>
+            </a:extLst>
+          </p:cNvPr>
+          <p:cNvSpPr txBox="1"/>
+          <p:nvPr/>
+        </p:nvSpPr>
+        <p:spPr>
+          <a:xfrm>
+            <a:off x="2161402" y="1603276"/>
+            <a:ext cx="1485957" cy="461665"/>
+          </a:xfrm>
+          <a:prstGeom prst="rect">
+            <a:avLst/>
+          </a:prstGeom>
+          <a:noFill/>
+        </p:spPr>
+        <p:txBody>
+          <a:bodyPr wrap="square" rtlCol="0">
+            <a:spAutoFit/>
+          </a:bodyPr>
+          <a:lstStyle/>
+          <a:p>
+            <a:r>
+              <a:rPr lang="tr-TR" sz="2400" dirty="0" err="1"/>
+              <a:t>Before</a:t>
+            </a:r>
+            <a:endParaRPr lang="tr-TR" sz="2400" dirty="0"/>
+          </a:p>
+        </p:txBody>
+      </p:sp>
+      <p:sp>
+        <p:nvSpPr>
+          <p:cNvPr id="32" name="TextBox 31">
+            <a:extLst>
+              <a:ext uri="{FF2B5EF4-FFF2-40B4-BE49-F238E27FC236}">
+                <a16:creationId xmlns:a16="http://schemas.microsoft.com/office/drawing/2014/main" id="{E246E21F-669E-45BF-9126-0335608CA554}"/>
+              </a:ext>
+            </a:extLst>
+          </p:cNvPr>
+          <p:cNvSpPr txBox="1"/>
+          <p:nvPr/>
+        </p:nvSpPr>
+        <p:spPr>
+          <a:xfrm>
+            <a:off x="8957340" y="1603277"/>
+            <a:ext cx="1485957" cy="461665"/>
+          </a:xfrm>
+          <a:prstGeom prst="rect">
+            <a:avLst/>
+          </a:prstGeom>
+          <a:noFill/>
+        </p:spPr>
+        <p:txBody>
+          <a:bodyPr wrap="square" rtlCol="0">
+            <a:spAutoFit/>
+          </a:bodyPr>
+          <a:lstStyle/>
+          <a:p>
+            <a:r>
+              <a:rPr lang="tr-TR" sz="2400" dirty="0" err="1"/>
+              <a:t>After</a:t>
+            </a:r>
+            <a:endParaRPr lang="tr-TR" sz="2400" dirty="0"/>
+          </a:p>
+        </p:txBody>
+      </p:sp>
+      <p:sp>
+        <p:nvSpPr>
+          <p:cNvPr id="34" name="TextBox 33">
+            <a:extLst>
+              <a:ext uri="{FF2B5EF4-FFF2-40B4-BE49-F238E27FC236}">
+                <a16:creationId xmlns:a16="http://schemas.microsoft.com/office/drawing/2014/main" id="{435EE7D8-EFB1-4D6C-B4D2-3948577702A3}"/>
+              </a:ext>
+            </a:extLst>
+          </p:cNvPr>
+          <p:cNvSpPr txBox="1"/>
+          <p:nvPr/>
+        </p:nvSpPr>
+        <p:spPr>
+          <a:xfrm>
+            <a:off x="2768920" y="4516059"/>
+            <a:ext cx="6654160" cy="1477328"/>
+          </a:xfrm>
+          <a:prstGeom prst="rect">
+            <a:avLst/>
+          </a:prstGeom>
+          <a:noFill/>
+        </p:spPr>
+        <p:txBody>
+          <a:bodyPr wrap="square" rtlCol="0">
+            <a:spAutoFit/>
+          </a:bodyPr>
+          <a:lstStyle/>
+          <a:p>
+            <a:r>
+              <a:rPr lang="tr-TR" dirty="0">
+                <a:solidFill>
+                  <a:srgbClr val="FF0000"/>
+                </a:solidFill>
+              </a:rPr>
+              <a:t>Test setinin </a:t>
+            </a:r>
+            <a:r>
+              <a:rPr lang="tr-TR" dirty="0" err="1">
+                <a:solidFill>
+                  <a:srgbClr val="FF0000"/>
+                </a:solidFill>
+              </a:rPr>
+              <a:t>Before</a:t>
+            </a:r>
+            <a:r>
+              <a:rPr lang="tr-TR" dirty="0">
+                <a:solidFill>
+                  <a:srgbClr val="FF0000"/>
+                </a:solidFill>
+              </a:rPr>
+              <a:t> ve </a:t>
+            </a:r>
+            <a:r>
+              <a:rPr lang="tr-TR" dirty="0" err="1">
+                <a:solidFill>
+                  <a:srgbClr val="FF0000"/>
+                </a:solidFill>
+              </a:rPr>
+              <a:t>After</a:t>
+            </a:r>
+            <a:r>
+              <a:rPr lang="tr-TR" dirty="0">
+                <a:solidFill>
+                  <a:srgbClr val="FF0000"/>
+                </a:solidFill>
+              </a:rPr>
+              <a:t> raporlarına baktığımızda , mevcut durumda </a:t>
+            </a:r>
+            <a:r>
+              <a:rPr lang="tr-TR" dirty="0" err="1">
+                <a:solidFill>
+                  <a:srgbClr val="FF0000"/>
+                </a:solidFill>
+              </a:rPr>
+              <a:t>overall</a:t>
+            </a:r>
+            <a:r>
+              <a:rPr lang="tr-TR" dirty="0">
+                <a:solidFill>
+                  <a:srgbClr val="FF0000"/>
+                </a:solidFill>
+              </a:rPr>
+              <a:t> </a:t>
+            </a:r>
+            <a:r>
+              <a:rPr lang="tr-TR" dirty="0" err="1">
+                <a:solidFill>
+                  <a:srgbClr val="FF0000"/>
+                </a:solidFill>
+              </a:rPr>
+              <a:t>score</a:t>
+            </a:r>
+            <a:r>
+              <a:rPr lang="tr-TR" dirty="0">
+                <a:solidFill>
+                  <a:srgbClr val="FF0000"/>
+                </a:solidFill>
+              </a:rPr>
+              <a:t> 0.91 den 0.82 ye gerilemiş durumda ancak </a:t>
+            </a:r>
+            <a:r>
+              <a:rPr lang="tr-TR" dirty="0" err="1">
+                <a:solidFill>
+                  <a:srgbClr val="FF0000"/>
+                </a:solidFill>
+              </a:rPr>
+              <a:t>Bad</a:t>
+            </a:r>
+            <a:r>
+              <a:rPr lang="tr-TR" dirty="0">
+                <a:solidFill>
+                  <a:srgbClr val="FF0000"/>
+                </a:solidFill>
+              </a:rPr>
+              <a:t> Risk f1-score  ve </a:t>
+            </a:r>
+            <a:r>
+              <a:rPr lang="tr-TR" dirty="0" err="1">
+                <a:solidFill>
+                  <a:srgbClr val="FF0000"/>
+                </a:solidFill>
+              </a:rPr>
+              <a:t>recall</a:t>
+            </a:r>
+            <a:r>
+              <a:rPr lang="tr-TR" dirty="0">
+                <a:solidFill>
+                  <a:srgbClr val="FF0000"/>
+                </a:solidFill>
+              </a:rPr>
+              <a:t> değerlerinde büyük bir gelişme görülmekte. Bu durum ise modelimizin </a:t>
+            </a:r>
+            <a:r>
+              <a:rPr lang="tr-TR" dirty="0" err="1">
+                <a:solidFill>
+                  <a:srgbClr val="FF0000"/>
+                </a:solidFill>
+              </a:rPr>
+              <a:t>Bad</a:t>
+            </a:r>
+            <a:r>
+              <a:rPr lang="tr-TR" dirty="0">
+                <a:solidFill>
+                  <a:srgbClr val="FF0000"/>
+                </a:solidFill>
+              </a:rPr>
+              <a:t> Risk değerlerini mevcut duruma göre daha iyi tahmin etmesini sağlamakta.</a:t>
+            </a:r>
+          </a:p>
+        </p:txBody>
+      </p:sp>
+      <p:pic>
+        <p:nvPicPr>
+          <p:cNvPr id="2" name="Picture 1">
+            <a:extLst>
+              <a:ext uri="{FF2B5EF4-FFF2-40B4-BE49-F238E27FC236}">
+                <a16:creationId xmlns:a16="http://schemas.microsoft.com/office/drawing/2014/main" id="{51CDCA19-2450-481C-AAD6-D9321353A0A7}"/>
+              </a:ext>
+            </a:extLst>
+          </p:cNvPr>
+          <p:cNvPicPr>
+            <a:picLocks noChangeAspect="1"/>
+          </p:cNvPicPr>
+          <p:nvPr/>
+        </p:nvPicPr>
+        <p:blipFill>
+          <a:blip r:embed="rId2"/>
+          <a:stretch>
+            <a:fillRect/>
+          </a:stretch>
+        </p:blipFill>
+        <p:spPr>
+          <a:xfrm>
+            <a:off x="685055" y="2300173"/>
+            <a:ext cx="4438650" cy="1552575"/>
+          </a:xfrm>
+          <a:prstGeom prst="rect">
+            <a:avLst/>
+          </a:prstGeom>
+        </p:spPr>
+      </p:pic>
+      <p:pic>
+        <p:nvPicPr>
+          <p:cNvPr id="4" name="Picture 3">
+            <a:extLst>
+              <a:ext uri="{FF2B5EF4-FFF2-40B4-BE49-F238E27FC236}">
+                <a16:creationId xmlns:a16="http://schemas.microsoft.com/office/drawing/2014/main" id="{6A71EE55-3FBD-49D7-BCCC-B511CDC07FD3}"/>
+              </a:ext>
+            </a:extLst>
+          </p:cNvPr>
+          <p:cNvPicPr>
+            <a:picLocks noChangeAspect="1"/>
+          </p:cNvPicPr>
+          <p:nvPr/>
+        </p:nvPicPr>
+        <p:blipFill>
+          <a:blip r:embed="rId3"/>
+          <a:stretch>
+            <a:fillRect/>
+          </a:stretch>
+        </p:blipFill>
+        <p:spPr>
+          <a:xfrm>
+            <a:off x="6786333" y="2207562"/>
+            <a:ext cx="4524375" cy="1495425"/>
+          </a:xfrm>
+          <a:prstGeom prst="rect">
+            <a:avLst/>
+          </a:prstGeom>
+        </p:spPr>
+      </p:pic>
+    </p:spTree>
+    <p:extLst>
+      <p:ext uri="{BB962C8B-B14F-4D97-AF65-F5344CB8AC3E}">
+        <p14:creationId xmlns:p14="http://schemas.microsoft.com/office/powerpoint/2010/main" val="1137820792"/>
       </p:ext>
     </p:extLst>
   </p:cSld>
